--- a/Week-2/Day-4/Snowflake_Advanced_Features.pptx
+++ b/Week-2/Day-4/Snowflake_Advanced_Features.pptx
@@ -7,12 +7,14 @@
   <p:sldIdLst>
     <p:sldId id="256" r:id="rId2"/>
     <p:sldId id="257" r:id="rId3"/>
-    <p:sldId id="258" r:id="rId4"/>
-    <p:sldId id="259" r:id="rId5"/>
-    <p:sldId id="260" r:id="rId6"/>
-    <p:sldId id="261" r:id="rId7"/>
-    <p:sldId id="262" r:id="rId8"/>
-    <p:sldId id="263" r:id="rId9"/>
+    <p:sldId id="264" r:id="rId4"/>
+    <p:sldId id="258" r:id="rId5"/>
+    <p:sldId id="265" r:id="rId6"/>
+    <p:sldId id="259" r:id="rId7"/>
+    <p:sldId id="260" r:id="rId8"/>
+    <p:sldId id="261" r:id="rId9"/>
+    <p:sldId id="262" r:id="rId10"/>
+    <p:sldId id="263" r:id="rId11"/>
   </p:sldIdLst>
   <p:sldSz cx="9144000" cy="6858000" type="screen4x3"/>
   <p:notesSz cx="6858000" cy="9144000"/>
@@ -6763,7 +6765,7 @@
           <a:p>
             <a:fld id="{5BCAD085-E8A6-8845-BD4E-CB4CCA059FC4}" type="datetimeFigureOut">
               <a:rPr lang="en-US" smtClean="0"/>
-              <a:t>9/16/2025</a:t>
+              <a:t>9/18/2025</a:t>
             </a:fld>
             <a:endParaRPr lang="en-US"/>
           </a:p>
@@ -6970,7 +6972,7 @@
           <a:p>
             <a:fld id="{5BCAD085-E8A6-8845-BD4E-CB4CCA059FC4}" type="datetimeFigureOut">
               <a:rPr lang="en-US" smtClean="0"/>
-              <a:t>9/16/2025</a:t>
+              <a:t>9/18/2025</a:t>
             </a:fld>
             <a:endParaRPr lang="en-US"/>
           </a:p>
@@ -7150,7 +7152,7 @@
           <a:p>
             <a:fld id="{5BCAD085-E8A6-8845-BD4E-CB4CCA059FC4}" type="datetimeFigureOut">
               <a:rPr lang="en-US" smtClean="0"/>
-              <a:t>9/16/2025</a:t>
+              <a:t>9/18/2025</a:t>
             </a:fld>
             <a:endParaRPr lang="en-US"/>
           </a:p>
@@ -7355,7 +7357,7 @@
           <a:p>
             <a:fld id="{5BCAD085-E8A6-8845-BD4E-CB4CCA059FC4}" type="datetimeFigureOut">
               <a:rPr lang="en-US" smtClean="0"/>
-              <a:t>9/16/2025</a:t>
+              <a:t>9/18/2025</a:t>
             </a:fld>
             <a:endParaRPr lang="en-US"/>
           </a:p>
@@ -14093,7 +14095,7 @@
           <a:p>
             <a:fld id="{5BCAD085-E8A6-8845-BD4E-CB4CCA059FC4}" type="datetimeFigureOut">
               <a:rPr lang="en-US" smtClean="0"/>
-              <a:t>9/16/2025</a:t>
+              <a:t>9/18/2025</a:t>
             </a:fld>
             <a:endParaRPr lang="en-US"/>
           </a:p>
@@ -14367,7 +14369,7 @@
           <a:p>
             <a:fld id="{5BCAD085-E8A6-8845-BD4E-CB4CCA059FC4}" type="datetimeFigureOut">
               <a:rPr lang="en-US" smtClean="0"/>
-              <a:t>9/16/2025</a:t>
+              <a:t>9/18/2025</a:t>
             </a:fld>
             <a:endParaRPr lang="en-US"/>
           </a:p>
@@ -14770,7 +14772,7 @@
           <a:p>
             <a:fld id="{5BCAD085-E8A6-8845-BD4E-CB4CCA059FC4}" type="datetimeFigureOut">
               <a:rPr lang="en-US" smtClean="0"/>
-              <a:t>9/16/2025</a:t>
+              <a:t>9/18/2025</a:t>
             </a:fld>
             <a:endParaRPr lang="en-US"/>
           </a:p>
@@ -14888,7 +14890,7 @@
           <a:p>
             <a:fld id="{5BCAD085-E8A6-8845-BD4E-CB4CCA059FC4}" type="datetimeFigureOut">
               <a:rPr lang="en-US" smtClean="0"/>
-              <a:t>9/16/2025</a:t>
+              <a:t>9/18/2025</a:t>
             </a:fld>
             <a:endParaRPr lang="en-US"/>
           </a:p>
@@ -14983,7 +14985,7 @@
           <a:p>
             <a:fld id="{5BCAD085-E8A6-8845-BD4E-CB4CCA059FC4}" type="datetimeFigureOut">
               <a:rPr lang="en-US" smtClean="0"/>
-              <a:t>9/16/2025</a:t>
+              <a:t>9/18/2025</a:t>
             </a:fld>
             <a:endParaRPr lang="en-US"/>
           </a:p>
@@ -15275,7 +15277,7 @@
           <a:p>
             <a:fld id="{5BCAD085-E8A6-8845-BD4E-CB4CCA059FC4}" type="datetimeFigureOut">
               <a:rPr lang="en-US" smtClean="0"/>
-              <a:t>9/16/2025</a:t>
+              <a:t>9/18/2025</a:t>
             </a:fld>
             <a:endParaRPr lang="en-US"/>
           </a:p>
@@ -15555,7 +15557,7 @@
           <a:p>
             <a:fld id="{5BCAD085-E8A6-8845-BD4E-CB4CCA059FC4}" type="datetimeFigureOut">
               <a:rPr lang="en-US" smtClean="0"/>
-              <a:t>9/16/2025</a:t>
+              <a:t>9/18/2025</a:t>
             </a:fld>
             <a:endParaRPr lang="en-US"/>
           </a:p>
@@ -15805,7 +15807,7 @@
           <a:p>
             <a:fld id="{5BCAD085-E8A6-8845-BD4E-CB4CCA059FC4}" type="datetimeFigureOut">
               <a:rPr lang="en-US" smtClean="0"/>
-              <a:t>9/16/2025</a:t>
+              <a:t>9/18/2025</a:t>
             </a:fld>
             <a:endParaRPr lang="en-US"/>
           </a:p>
@@ -16357,6 +16359,88 @@
 </p:sld>
 </file>
 
+<file path=ppt/slides/slide10.xml><?xml version="1.0" encoding="utf-8"?>
+<p:sld xmlns:a="http://schemas.openxmlformats.org/drawingml/2006/main" xmlns:r="http://schemas.openxmlformats.org/officeDocument/2006/relationships" xmlns:p="http://schemas.openxmlformats.org/presentationml/2006/main">
+  <p:cSld>
+    <p:spTree>
+      <p:nvGrpSpPr>
+        <p:cNvPr id="1" name=""/>
+        <p:cNvGrpSpPr/>
+        <p:nvPr/>
+      </p:nvGrpSpPr>
+      <p:grpSpPr>
+        <a:xfrm>
+          <a:off x="0" y="0"/>
+          <a:ext cx="0" cy="0"/>
+          <a:chOff x="0" y="0"/>
+          <a:chExt cx="0" cy="0"/>
+        </a:xfrm>
+      </p:grpSpPr>
+      <p:sp>
+        <p:nvSpPr>
+          <p:cNvPr id="2" name="Title 1"/>
+          <p:cNvSpPr>
+            <a:spLocks noGrp="1"/>
+          </p:cNvSpPr>
+          <p:nvPr>
+            <p:ph type="title"/>
+          </p:nvPr>
+        </p:nvSpPr>
+        <p:spPr/>
+        <p:txBody>
+          <a:bodyPr/>
+          <a:lstStyle/>
+          <a:p>
+            <a:r>
+              <a:t>Snowflake Pricing Model Optimization</a:t>
+            </a:r>
+          </a:p>
+        </p:txBody>
+      </p:sp>
+      <p:sp>
+        <p:nvSpPr>
+          <p:cNvPr id="3" name="Content Placeholder 2"/>
+          <p:cNvSpPr>
+            <a:spLocks noGrp="1"/>
+          </p:cNvSpPr>
+          <p:nvPr>
+            <p:ph idx="1"/>
+          </p:nvPr>
+        </p:nvSpPr>
+        <p:spPr/>
+        <p:txBody>
+          <a:bodyPr/>
+          <a:lstStyle/>
+          <a:p>
+            <a:r>
+              <a:t>Storage cost: Pay-per-TB per month.</a:t>
+            </a:r>
+          </a:p>
+          <a:p>
+            <a:r>
+              <a:t>Compute cost: Pay for warehouse credits (per second billing).</a:t>
+            </a:r>
+          </a:p>
+          <a:p>
+            <a:r>
+              <a:t>Optimization strategies: Auto-suspend warehouses, clustering, materialized views.</a:t>
+            </a:r>
+          </a:p>
+          <a:p>
+            <a:r>
+              <a:t>Use Resource Monitors to track and control spend.</a:t>
+            </a:r>
+          </a:p>
+        </p:txBody>
+      </p:sp>
+    </p:spTree>
+  </p:cSld>
+  <p:clrMapOvr>
+    <a:masterClrMapping/>
+  </p:clrMapOvr>
+</p:sld>
+</file>
+
 <file path=ppt/slides/slide2.xml><?xml version="1.0" encoding="utf-8"?>
 <p:sld xmlns:a="http://schemas.openxmlformats.org/drawingml/2006/main" xmlns:r="http://schemas.openxmlformats.org/officeDocument/2006/relationships" xmlns:p="http://schemas.openxmlformats.org/presentationml/2006/main">
   <p:cSld>
@@ -16458,6 +16542,717 @@
       </p:grpSpPr>
       <p:sp>
         <p:nvSpPr>
+          <p:cNvPr id="2" name="Title 1">
+            <a:extLst>
+              <a:ext uri="{FF2B5EF4-FFF2-40B4-BE49-F238E27FC236}">
+                <a16:creationId xmlns:a16="http://schemas.microsoft.com/office/drawing/2014/main" id="{08A43034-788A-70FA-9CA2-28D3457595FD}"/>
+              </a:ext>
+            </a:extLst>
+          </p:cNvPr>
+          <p:cNvSpPr>
+            <a:spLocks noGrp="1"/>
+          </p:cNvSpPr>
+          <p:nvPr>
+            <p:ph type="title"/>
+          </p:nvPr>
+        </p:nvSpPr>
+        <p:spPr/>
+        <p:txBody>
+          <a:bodyPr/>
+          <a:lstStyle/>
+          <a:p>
+            <a:r>
+              <a:rPr lang="en-US" dirty="0"/>
+              <a:t>Transit Vs Standard</a:t>
+            </a:r>
+            <a:endParaRPr lang="en-IN" dirty="0"/>
+          </a:p>
+        </p:txBody>
+      </p:sp>
+      <p:graphicFrame>
+        <p:nvGraphicFramePr>
+          <p:cNvPr id="4" name="Content Placeholder 3">
+            <a:extLst>
+              <a:ext uri="{FF2B5EF4-FFF2-40B4-BE49-F238E27FC236}">
+                <a16:creationId xmlns:a16="http://schemas.microsoft.com/office/drawing/2014/main" id="{9E1467F5-65E8-9BEC-B9D0-2CA0D5EA0ACC}"/>
+              </a:ext>
+            </a:extLst>
+          </p:cNvPr>
+          <p:cNvGraphicFramePr>
+            <a:graphicFrameLocks noGrp="1"/>
+          </p:cNvGraphicFramePr>
+          <p:nvPr>
+            <p:ph idx="1"/>
+            <p:extLst>
+              <p:ext uri="{D42A27DB-BD31-4B8C-83A1-F6EECF244321}">
+                <p14:modId xmlns:p14="http://schemas.microsoft.com/office/powerpoint/2010/main" val="2290550938"/>
+              </p:ext>
+            </p:extLst>
+          </p:nvPr>
+        </p:nvGraphicFramePr>
+        <p:xfrm>
+          <a:off x="768350" y="2524539"/>
+          <a:ext cx="7289799" cy="2662077"/>
+        </p:xfrm>
+        <a:graphic>
+          <a:graphicData uri="http://schemas.openxmlformats.org/drawingml/2006/table">
+            <a:tbl>
+              <a:tblPr firstRow="1" firstCol="1" bandRow="1">
+                <a:tableStyleId>{5C22544A-7EE6-4342-B048-85BDC9FD1C3A}</a:tableStyleId>
+              </a:tblPr>
+              <a:tblGrid>
+                <a:gridCol w="2429933">
+                  <a:extLst>
+                    <a:ext uri="{9D8B030D-6E8A-4147-A177-3AD203B41FA5}">
+                      <a16:colId xmlns:a16="http://schemas.microsoft.com/office/drawing/2014/main" val="1586835829"/>
+                    </a:ext>
+                  </a:extLst>
+                </a:gridCol>
+                <a:gridCol w="2429933">
+                  <a:extLst>
+                    <a:ext uri="{9D8B030D-6E8A-4147-A177-3AD203B41FA5}">
+                      <a16:colId xmlns:a16="http://schemas.microsoft.com/office/drawing/2014/main" val="2177827828"/>
+                    </a:ext>
+                  </a:extLst>
+                </a:gridCol>
+                <a:gridCol w="2429933">
+                  <a:extLst>
+                    <a:ext uri="{9D8B030D-6E8A-4147-A177-3AD203B41FA5}">
+                      <a16:colId xmlns:a16="http://schemas.microsoft.com/office/drawing/2014/main" val="846177581"/>
+                    </a:ext>
+                  </a:extLst>
+                </a:gridCol>
+              </a:tblGrid>
+              <a:tr h="299522">
+                <a:tc>
+                  <a:txBody>
+                    <a:bodyPr/>
+                    <a:lstStyle/>
+                    <a:p>
+                      <a:pPr>
+                        <a:lnSpc>
+                          <a:spcPct val="115000"/>
+                        </a:lnSpc>
+                        <a:spcAft>
+                          <a:spcPts val="1000"/>
+                        </a:spcAft>
+                        <a:buNone/>
+                      </a:pPr>
+                      <a:r>
+                        <a:rPr lang="en-IN" sz="1100">
+                          <a:effectLst/>
+                        </a:rPr>
+                        <a:t>Aspect</a:t>
+                      </a:r>
+                      <a:endParaRPr lang="en-IN" sz="1100">
+                        <a:effectLst/>
+                        <a:latin typeface="Calibri" panose="020F0502020204030204" pitchFamily="34" charset="0"/>
+                        <a:ea typeface="Calibri" panose="020F0502020204030204" pitchFamily="34" charset="0"/>
+                        <a:cs typeface="Times New Roman" panose="02020603050405020304" pitchFamily="18" charset="0"/>
+                      </a:endParaRPr>
+                    </a:p>
+                  </a:txBody>
+                  <a:tcPr marL="9525" marR="9525" marT="9525" marB="9525" anchor="ctr"/>
+                </a:tc>
+                <a:tc>
+                  <a:txBody>
+                    <a:bodyPr/>
+                    <a:lstStyle/>
+                    <a:p>
+                      <a:pPr>
+                        <a:lnSpc>
+                          <a:spcPct val="115000"/>
+                        </a:lnSpc>
+                        <a:spcAft>
+                          <a:spcPts val="1000"/>
+                        </a:spcAft>
+                        <a:buNone/>
+                      </a:pPr>
+                      <a:r>
+                        <a:rPr lang="en-IN" sz="1100">
+                          <a:effectLst/>
+                        </a:rPr>
+                        <a:t>Transit Table</a:t>
+                      </a:r>
+                      <a:endParaRPr lang="en-IN" sz="1100">
+                        <a:effectLst/>
+                        <a:latin typeface="Calibri" panose="020F0502020204030204" pitchFamily="34" charset="0"/>
+                        <a:ea typeface="Calibri" panose="020F0502020204030204" pitchFamily="34" charset="0"/>
+                        <a:cs typeface="Times New Roman" panose="02020603050405020304" pitchFamily="18" charset="0"/>
+                      </a:endParaRPr>
+                    </a:p>
+                  </a:txBody>
+                  <a:tcPr marL="9525" marR="9525" marT="9525" marB="9525" anchor="ctr"/>
+                </a:tc>
+                <a:tc>
+                  <a:txBody>
+                    <a:bodyPr/>
+                    <a:lstStyle/>
+                    <a:p>
+                      <a:pPr>
+                        <a:lnSpc>
+                          <a:spcPct val="115000"/>
+                        </a:lnSpc>
+                        <a:spcAft>
+                          <a:spcPts val="1000"/>
+                        </a:spcAft>
+                        <a:buNone/>
+                      </a:pPr>
+                      <a:r>
+                        <a:rPr lang="en-IN" sz="1100">
+                          <a:effectLst/>
+                        </a:rPr>
+                        <a:t>Standard Table</a:t>
+                      </a:r>
+                      <a:endParaRPr lang="en-IN" sz="1100">
+                        <a:effectLst/>
+                        <a:latin typeface="Calibri" panose="020F0502020204030204" pitchFamily="34" charset="0"/>
+                        <a:ea typeface="Calibri" panose="020F0502020204030204" pitchFamily="34" charset="0"/>
+                        <a:cs typeface="Times New Roman" panose="02020603050405020304" pitchFamily="18" charset="0"/>
+                      </a:endParaRPr>
+                    </a:p>
+                  </a:txBody>
+                  <a:tcPr marL="9525" marR="9525" marT="9525" marB="9525" anchor="ctr"/>
+                </a:tc>
+                <a:extLst>
+                  <a:ext uri="{0D108BD9-81ED-4DB2-BD59-A6C34878D82A}">
+                    <a16:rowId xmlns:a16="http://schemas.microsoft.com/office/drawing/2014/main" val="2013515193"/>
+                  </a:ext>
+                </a:extLst>
+              </a:tr>
+              <a:tr h="587837">
+                <a:tc>
+                  <a:txBody>
+                    <a:bodyPr/>
+                    <a:lstStyle/>
+                    <a:p>
+                      <a:pPr>
+                        <a:lnSpc>
+                          <a:spcPct val="115000"/>
+                        </a:lnSpc>
+                        <a:spcAft>
+                          <a:spcPts val="1000"/>
+                        </a:spcAft>
+                        <a:buNone/>
+                      </a:pPr>
+                      <a:r>
+                        <a:rPr lang="en-IN" sz="1100">
+                          <a:effectLst/>
+                        </a:rPr>
+                        <a:t>Purpose</a:t>
+                      </a:r>
+                      <a:endParaRPr lang="en-IN" sz="1100">
+                        <a:effectLst/>
+                        <a:latin typeface="Calibri" panose="020F0502020204030204" pitchFamily="34" charset="0"/>
+                        <a:ea typeface="Calibri" panose="020F0502020204030204" pitchFamily="34" charset="0"/>
+                        <a:cs typeface="Times New Roman" panose="02020603050405020304" pitchFamily="18" charset="0"/>
+                      </a:endParaRPr>
+                    </a:p>
+                  </a:txBody>
+                  <a:tcPr marL="9525" marR="9525" marT="9525" marB="9525" anchor="ctr"/>
+                </a:tc>
+                <a:tc>
+                  <a:txBody>
+                    <a:bodyPr/>
+                    <a:lstStyle/>
+                    <a:p>
+                      <a:pPr>
+                        <a:lnSpc>
+                          <a:spcPct val="115000"/>
+                        </a:lnSpc>
+                        <a:spcAft>
+                          <a:spcPts val="1000"/>
+                        </a:spcAft>
+                        <a:buNone/>
+                      </a:pPr>
+                      <a:r>
+                        <a:rPr lang="en-IN" sz="1100">
+                          <a:effectLst/>
+                        </a:rPr>
+                        <a:t>Intermediate (staging, raw, temporary storage)</a:t>
+                      </a:r>
+                      <a:endParaRPr lang="en-IN" sz="1100">
+                        <a:effectLst/>
+                        <a:latin typeface="Calibri" panose="020F0502020204030204" pitchFamily="34" charset="0"/>
+                        <a:ea typeface="Calibri" panose="020F0502020204030204" pitchFamily="34" charset="0"/>
+                        <a:cs typeface="Times New Roman" panose="02020603050405020304" pitchFamily="18" charset="0"/>
+                      </a:endParaRPr>
+                    </a:p>
+                  </a:txBody>
+                  <a:tcPr marL="9525" marR="9525" marT="9525" marB="9525" anchor="ctr"/>
+                </a:tc>
+                <a:tc>
+                  <a:txBody>
+                    <a:bodyPr/>
+                    <a:lstStyle/>
+                    <a:p>
+                      <a:pPr>
+                        <a:lnSpc>
+                          <a:spcPct val="115000"/>
+                        </a:lnSpc>
+                        <a:spcAft>
+                          <a:spcPts val="1000"/>
+                        </a:spcAft>
+                        <a:buNone/>
+                      </a:pPr>
+                      <a:r>
+                        <a:rPr lang="en-IN" sz="1100">
+                          <a:effectLst/>
+                        </a:rPr>
+                        <a:t>Final, curated data (facts, dimensions, reports)</a:t>
+                      </a:r>
+                      <a:endParaRPr lang="en-IN" sz="1100">
+                        <a:effectLst/>
+                        <a:latin typeface="Calibri" panose="020F0502020204030204" pitchFamily="34" charset="0"/>
+                        <a:ea typeface="Calibri" panose="020F0502020204030204" pitchFamily="34" charset="0"/>
+                        <a:cs typeface="Times New Roman" panose="02020603050405020304" pitchFamily="18" charset="0"/>
+                      </a:endParaRPr>
+                    </a:p>
+                  </a:txBody>
+                  <a:tcPr marL="9525" marR="9525" marT="9525" marB="9525" anchor="ctr"/>
+                </a:tc>
+                <a:extLst>
+                  <a:ext uri="{0D108BD9-81ED-4DB2-BD59-A6C34878D82A}">
+                    <a16:rowId xmlns:a16="http://schemas.microsoft.com/office/drawing/2014/main" val="3594125151"/>
+                  </a:ext>
+                </a:extLst>
+              </a:tr>
+              <a:tr h="587837">
+                <a:tc>
+                  <a:txBody>
+                    <a:bodyPr/>
+                    <a:lstStyle/>
+                    <a:p>
+                      <a:pPr>
+                        <a:lnSpc>
+                          <a:spcPct val="115000"/>
+                        </a:lnSpc>
+                        <a:spcAft>
+                          <a:spcPts val="1000"/>
+                        </a:spcAft>
+                        <a:buNone/>
+                      </a:pPr>
+                      <a:r>
+                        <a:rPr lang="en-IN" sz="1100">
+                          <a:effectLst/>
+                        </a:rPr>
+                        <a:t>Persistence</a:t>
+                      </a:r>
+                      <a:endParaRPr lang="en-IN" sz="1100">
+                        <a:effectLst/>
+                        <a:latin typeface="Calibri" panose="020F0502020204030204" pitchFamily="34" charset="0"/>
+                        <a:ea typeface="Calibri" panose="020F0502020204030204" pitchFamily="34" charset="0"/>
+                        <a:cs typeface="Times New Roman" panose="02020603050405020304" pitchFamily="18" charset="0"/>
+                      </a:endParaRPr>
+                    </a:p>
+                  </a:txBody>
+                  <a:tcPr marL="9525" marR="9525" marT="9525" marB="9525" anchor="ctr"/>
+                </a:tc>
+                <a:tc>
+                  <a:txBody>
+                    <a:bodyPr/>
+                    <a:lstStyle/>
+                    <a:p>
+                      <a:pPr>
+                        <a:lnSpc>
+                          <a:spcPct val="115000"/>
+                        </a:lnSpc>
+                        <a:spcAft>
+                          <a:spcPts val="1000"/>
+                        </a:spcAft>
+                        <a:buNone/>
+                      </a:pPr>
+                      <a:r>
+                        <a:rPr lang="en-IN" sz="1100">
+                          <a:effectLst/>
+                        </a:rPr>
+                        <a:t>Short-lived (drop/reload each run)</a:t>
+                      </a:r>
+                      <a:endParaRPr lang="en-IN" sz="1100">
+                        <a:effectLst/>
+                        <a:latin typeface="Calibri" panose="020F0502020204030204" pitchFamily="34" charset="0"/>
+                        <a:ea typeface="Calibri" panose="020F0502020204030204" pitchFamily="34" charset="0"/>
+                        <a:cs typeface="Times New Roman" panose="02020603050405020304" pitchFamily="18" charset="0"/>
+                      </a:endParaRPr>
+                    </a:p>
+                  </a:txBody>
+                  <a:tcPr marL="9525" marR="9525" marT="9525" marB="9525" anchor="ctr"/>
+                </a:tc>
+                <a:tc>
+                  <a:txBody>
+                    <a:bodyPr/>
+                    <a:lstStyle/>
+                    <a:p>
+                      <a:pPr>
+                        <a:lnSpc>
+                          <a:spcPct val="115000"/>
+                        </a:lnSpc>
+                        <a:spcAft>
+                          <a:spcPts val="1000"/>
+                        </a:spcAft>
+                        <a:buNone/>
+                      </a:pPr>
+                      <a:r>
+                        <a:rPr lang="en-IN" sz="1100">
+                          <a:effectLst/>
+                        </a:rPr>
+                        <a:t>Long-lived (kept permanently until dropped)</a:t>
+                      </a:r>
+                      <a:endParaRPr lang="en-IN" sz="1100">
+                        <a:effectLst/>
+                        <a:latin typeface="Calibri" panose="020F0502020204030204" pitchFamily="34" charset="0"/>
+                        <a:ea typeface="Calibri" panose="020F0502020204030204" pitchFamily="34" charset="0"/>
+                        <a:cs typeface="Times New Roman" panose="02020603050405020304" pitchFamily="18" charset="0"/>
+                      </a:endParaRPr>
+                    </a:p>
+                  </a:txBody>
+                  <a:tcPr marL="9525" marR="9525" marT="9525" marB="9525" anchor="ctr"/>
+                </a:tc>
+                <a:extLst>
+                  <a:ext uri="{0D108BD9-81ED-4DB2-BD59-A6C34878D82A}">
+                    <a16:rowId xmlns:a16="http://schemas.microsoft.com/office/drawing/2014/main" val="3285344899"/>
+                  </a:ext>
+                </a:extLst>
+              </a:tr>
+              <a:tr h="587837">
+                <a:tc>
+                  <a:txBody>
+                    <a:bodyPr/>
+                    <a:lstStyle/>
+                    <a:p>
+                      <a:pPr>
+                        <a:lnSpc>
+                          <a:spcPct val="115000"/>
+                        </a:lnSpc>
+                        <a:spcAft>
+                          <a:spcPts val="1000"/>
+                        </a:spcAft>
+                        <a:buNone/>
+                      </a:pPr>
+                      <a:r>
+                        <a:rPr lang="en-IN" sz="1100">
+                          <a:effectLst/>
+                        </a:rPr>
+                        <a:t>Optimization</a:t>
+                      </a:r>
+                      <a:endParaRPr lang="en-IN" sz="1100">
+                        <a:effectLst/>
+                        <a:latin typeface="Calibri" panose="020F0502020204030204" pitchFamily="34" charset="0"/>
+                        <a:ea typeface="Calibri" panose="020F0502020204030204" pitchFamily="34" charset="0"/>
+                        <a:cs typeface="Times New Roman" panose="02020603050405020304" pitchFamily="18" charset="0"/>
+                      </a:endParaRPr>
+                    </a:p>
+                  </a:txBody>
+                  <a:tcPr marL="9525" marR="9525" marT="9525" marB="9525" anchor="ctr"/>
+                </a:tc>
+                <a:tc>
+                  <a:txBody>
+                    <a:bodyPr/>
+                    <a:lstStyle/>
+                    <a:p>
+                      <a:pPr>
+                        <a:lnSpc>
+                          <a:spcPct val="115000"/>
+                        </a:lnSpc>
+                        <a:spcAft>
+                          <a:spcPts val="1000"/>
+                        </a:spcAft>
+                        <a:buNone/>
+                      </a:pPr>
+                      <a:r>
+                        <a:rPr lang="en-IN" sz="1100">
+                          <a:effectLst/>
+                        </a:rPr>
+                        <a:t>Often simple structure, minimal constraints</a:t>
+                      </a:r>
+                      <a:endParaRPr lang="en-IN" sz="1100">
+                        <a:effectLst/>
+                        <a:latin typeface="Calibri" panose="020F0502020204030204" pitchFamily="34" charset="0"/>
+                        <a:ea typeface="Calibri" panose="020F0502020204030204" pitchFamily="34" charset="0"/>
+                        <a:cs typeface="Times New Roman" panose="02020603050405020304" pitchFamily="18" charset="0"/>
+                      </a:endParaRPr>
+                    </a:p>
+                  </a:txBody>
+                  <a:tcPr marL="9525" marR="9525" marT="9525" marB="9525" anchor="ctr"/>
+                </a:tc>
+                <a:tc>
+                  <a:txBody>
+                    <a:bodyPr/>
+                    <a:lstStyle/>
+                    <a:p>
+                      <a:pPr>
+                        <a:lnSpc>
+                          <a:spcPct val="115000"/>
+                        </a:lnSpc>
+                        <a:spcAft>
+                          <a:spcPts val="1000"/>
+                        </a:spcAft>
+                        <a:buNone/>
+                      </a:pPr>
+                      <a:r>
+                        <a:rPr lang="en-IN" sz="1100">
+                          <a:effectLst/>
+                        </a:rPr>
+                        <a:t>Optimized for queries, indexing, partitioning</a:t>
+                      </a:r>
+                      <a:endParaRPr lang="en-IN" sz="1100">
+                        <a:effectLst/>
+                        <a:latin typeface="Calibri" panose="020F0502020204030204" pitchFamily="34" charset="0"/>
+                        <a:ea typeface="Calibri" panose="020F0502020204030204" pitchFamily="34" charset="0"/>
+                        <a:cs typeface="Times New Roman" panose="02020603050405020304" pitchFamily="18" charset="0"/>
+                      </a:endParaRPr>
+                    </a:p>
+                  </a:txBody>
+                  <a:tcPr marL="9525" marR="9525" marT="9525" marB="9525" anchor="ctr"/>
+                </a:tc>
+                <a:extLst>
+                  <a:ext uri="{0D108BD9-81ED-4DB2-BD59-A6C34878D82A}">
+                    <a16:rowId xmlns:a16="http://schemas.microsoft.com/office/drawing/2014/main" val="1600157576"/>
+                  </a:ext>
+                </a:extLst>
+              </a:tr>
+              <a:tr h="299522">
+                <a:tc>
+                  <a:txBody>
+                    <a:bodyPr/>
+                    <a:lstStyle/>
+                    <a:p>
+                      <a:pPr>
+                        <a:lnSpc>
+                          <a:spcPct val="115000"/>
+                        </a:lnSpc>
+                        <a:spcAft>
+                          <a:spcPts val="1000"/>
+                        </a:spcAft>
+                        <a:buNone/>
+                      </a:pPr>
+                      <a:r>
+                        <a:rPr lang="en-IN" sz="1100">
+                          <a:effectLst/>
+                        </a:rPr>
+                        <a:t>Data Quality</a:t>
+                      </a:r>
+                      <a:endParaRPr lang="en-IN" sz="1100">
+                        <a:effectLst/>
+                        <a:latin typeface="Calibri" panose="020F0502020204030204" pitchFamily="34" charset="0"/>
+                        <a:ea typeface="Calibri" panose="020F0502020204030204" pitchFamily="34" charset="0"/>
+                        <a:cs typeface="Times New Roman" panose="02020603050405020304" pitchFamily="18" charset="0"/>
+                      </a:endParaRPr>
+                    </a:p>
+                  </a:txBody>
+                  <a:tcPr marL="9525" marR="9525" marT="9525" marB="9525" anchor="ctr"/>
+                </a:tc>
+                <a:tc>
+                  <a:txBody>
+                    <a:bodyPr/>
+                    <a:lstStyle/>
+                    <a:p>
+                      <a:pPr>
+                        <a:lnSpc>
+                          <a:spcPct val="115000"/>
+                        </a:lnSpc>
+                        <a:spcAft>
+                          <a:spcPts val="1000"/>
+                        </a:spcAft>
+                        <a:buNone/>
+                      </a:pPr>
+                      <a:r>
+                        <a:rPr lang="en-IN" sz="1100">
+                          <a:effectLst/>
+                        </a:rPr>
+                        <a:t>Raw / semi-processed</a:t>
+                      </a:r>
+                      <a:endParaRPr lang="en-IN" sz="1100">
+                        <a:effectLst/>
+                        <a:latin typeface="Calibri" panose="020F0502020204030204" pitchFamily="34" charset="0"/>
+                        <a:ea typeface="Calibri" panose="020F0502020204030204" pitchFamily="34" charset="0"/>
+                        <a:cs typeface="Times New Roman" panose="02020603050405020304" pitchFamily="18" charset="0"/>
+                      </a:endParaRPr>
+                    </a:p>
+                  </a:txBody>
+                  <a:tcPr marL="9525" marR="9525" marT="9525" marB="9525" anchor="ctr"/>
+                </a:tc>
+                <a:tc>
+                  <a:txBody>
+                    <a:bodyPr/>
+                    <a:lstStyle/>
+                    <a:p>
+                      <a:pPr>
+                        <a:lnSpc>
+                          <a:spcPct val="115000"/>
+                        </a:lnSpc>
+                        <a:spcAft>
+                          <a:spcPts val="1000"/>
+                        </a:spcAft>
+                        <a:buNone/>
+                      </a:pPr>
+                      <a:r>
+                        <a:rPr lang="en-IN" sz="1100">
+                          <a:effectLst/>
+                        </a:rPr>
+                        <a:t>Cleaned, modeled, governed</a:t>
+                      </a:r>
+                      <a:endParaRPr lang="en-IN" sz="1100">
+                        <a:effectLst/>
+                        <a:latin typeface="Calibri" panose="020F0502020204030204" pitchFamily="34" charset="0"/>
+                        <a:ea typeface="Calibri" panose="020F0502020204030204" pitchFamily="34" charset="0"/>
+                        <a:cs typeface="Times New Roman" panose="02020603050405020304" pitchFamily="18" charset="0"/>
+                      </a:endParaRPr>
+                    </a:p>
+                  </a:txBody>
+                  <a:tcPr marL="9525" marR="9525" marT="9525" marB="9525" anchor="ctr"/>
+                </a:tc>
+                <a:extLst>
+                  <a:ext uri="{0D108BD9-81ED-4DB2-BD59-A6C34878D82A}">
+                    <a16:rowId xmlns:a16="http://schemas.microsoft.com/office/drawing/2014/main" val="442624130"/>
+                  </a:ext>
+                </a:extLst>
+              </a:tr>
+              <a:tr h="299522">
+                <a:tc>
+                  <a:txBody>
+                    <a:bodyPr/>
+                    <a:lstStyle/>
+                    <a:p>
+                      <a:pPr>
+                        <a:lnSpc>
+                          <a:spcPct val="115000"/>
+                        </a:lnSpc>
+                        <a:spcAft>
+                          <a:spcPts val="1000"/>
+                        </a:spcAft>
+                        <a:buNone/>
+                      </a:pPr>
+                      <a:r>
+                        <a:rPr lang="en-IN" sz="1100">
+                          <a:effectLst/>
+                        </a:rPr>
+                        <a:t>Example</a:t>
+                      </a:r>
+                      <a:endParaRPr lang="en-IN" sz="1100">
+                        <a:effectLst/>
+                        <a:latin typeface="Calibri" panose="020F0502020204030204" pitchFamily="34" charset="0"/>
+                        <a:ea typeface="Calibri" panose="020F0502020204030204" pitchFamily="34" charset="0"/>
+                        <a:cs typeface="Times New Roman" panose="02020603050405020304" pitchFamily="18" charset="0"/>
+                      </a:endParaRPr>
+                    </a:p>
+                  </a:txBody>
+                  <a:tcPr marL="9525" marR="9525" marT="9525" marB="9525" anchor="ctr"/>
+                </a:tc>
+                <a:tc>
+                  <a:txBody>
+                    <a:bodyPr/>
+                    <a:lstStyle/>
+                    <a:p>
+                      <a:pPr>
+                        <a:lnSpc>
+                          <a:spcPct val="115000"/>
+                        </a:lnSpc>
+                        <a:spcAft>
+                          <a:spcPts val="1000"/>
+                        </a:spcAft>
+                        <a:buNone/>
+                      </a:pPr>
+                      <a:r>
+                        <a:rPr lang="en-IN" sz="1100">
+                          <a:effectLst/>
+                        </a:rPr>
+                        <a:t>stg_customer_delta</a:t>
+                      </a:r>
+                      <a:endParaRPr lang="en-IN" sz="1100">
+                        <a:effectLst/>
+                        <a:latin typeface="Calibri" panose="020F0502020204030204" pitchFamily="34" charset="0"/>
+                        <a:ea typeface="Calibri" panose="020F0502020204030204" pitchFamily="34" charset="0"/>
+                        <a:cs typeface="Times New Roman" panose="02020603050405020304" pitchFamily="18" charset="0"/>
+                      </a:endParaRPr>
+                    </a:p>
+                  </a:txBody>
+                  <a:tcPr marL="9525" marR="9525" marT="9525" marB="9525" anchor="ctr"/>
+                </a:tc>
+                <a:tc>
+                  <a:txBody>
+                    <a:bodyPr/>
+                    <a:lstStyle/>
+                    <a:p>
+                      <a:pPr>
+                        <a:lnSpc>
+                          <a:spcPct val="115000"/>
+                        </a:lnSpc>
+                        <a:spcAft>
+                          <a:spcPts val="1000"/>
+                        </a:spcAft>
+                        <a:buNone/>
+                      </a:pPr>
+                      <a:r>
+                        <a:rPr lang="en-IN" sz="1100" dirty="0" err="1">
+                          <a:effectLst/>
+                        </a:rPr>
+                        <a:t>dim_customer</a:t>
+                      </a:r>
+                      <a:r>
+                        <a:rPr lang="en-IN" sz="1100" dirty="0">
+                          <a:effectLst/>
+                        </a:rPr>
+                        <a:t>, </a:t>
+                      </a:r>
+                      <a:r>
+                        <a:rPr lang="en-IN" sz="1100" dirty="0" err="1">
+                          <a:effectLst/>
+                        </a:rPr>
+                        <a:t>fact_sales</a:t>
+                      </a:r>
+                      <a:endParaRPr lang="en-IN" sz="1100" dirty="0">
+                        <a:effectLst/>
+                        <a:latin typeface="Calibri" panose="020F0502020204030204" pitchFamily="34" charset="0"/>
+                        <a:ea typeface="Calibri" panose="020F0502020204030204" pitchFamily="34" charset="0"/>
+                        <a:cs typeface="Times New Roman" panose="02020603050405020304" pitchFamily="18" charset="0"/>
+                      </a:endParaRPr>
+                    </a:p>
+                  </a:txBody>
+                  <a:tcPr marL="9525" marR="9525" marT="9525" marB="9525" anchor="ctr"/>
+                </a:tc>
+                <a:extLst>
+                  <a:ext uri="{0D108BD9-81ED-4DB2-BD59-A6C34878D82A}">
+                    <a16:rowId xmlns:a16="http://schemas.microsoft.com/office/drawing/2014/main" val="47972959"/>
+                  </a:ext>
+                </a:extLst>
+              </a:tr>
+            </a:tbl>
+          </a:graphicData>
+        </a:graphic>
+      </p:graphicFrame>
+    </p:spTree>
+    <p:extLst>
+      <p:ext uri="{BB962C8B-B14F-4D97-AF65-F5344CB8AC3E}">
+        <p14:creationId xmlns:p14="http://schemas.microsoft.com/office/powerpoint/2010/main" val="1253183990"/>
+      </p:ext>
+    </p:extLst>
+  </p:cSld>
+  <p:clrMapOvr>
+    <a:masterClrMapping/>
+  </p:clrMapOvr>
+</p:sld>
+</file>
+
+<file path=ppt/slides/slide4.xml><?xml version="1.0" encoding="utf-8"?>
+<p:sld xmlns:a="http://schemas.openxmlformats.org/drawingml/2006/main" xmlns:r="http://schemas.openxmlformats.org/officeDocument/2006/relationships" xmlns:p="http://schemas.openxmlformats.org/presentationml/2006/main">
+  <p:cSld>
+    <p:spTree>
+      <p:nvGrpSpPr>
+        <p:cNvPr id="1" name=""/>
+        <p:cNvGrpSpPr/>
+        <p:nvPr/>
+      </p:nvGrpSpPr>
+      <p:grpSpPr>
+        <a:xfrm>
+          <a:off x="0" y="0"/>
+          <a:ext cx="0" cy="0"/>
+          <a:chOff x="0" y="0"/>
+          <a:chExt cx="0" cy="0"/>
+        </a:xfrm>
+      </p:grpSpPr>
+      <p:sp>
+        <p:nvSpPr>
           <p:cNvPr id="2" name="Title 1"/>
           <p:cNvSpPr>
             <a:spLocks noGrp="1"/>
@@ -16493,23 +17288,54 @@
           <a:lstStyle/>
           <a:p>
             <a:r>
+              <a:rPr dirty="0"/>
               <a:t>Pre-computed query results stored for fast retrieval.</a:t>
             </a:r>
           </a:p>
           <a:p>
             <a:r>
+              <a:rPr dirty="0"/>
               <a:t>Automatic refresh handled by Snowflake.</a:t>
             </a:r>
           </a:p>
           <a:p>
             <a:r>
+              <a:rPr dirty="0"/>
               <a:t>Best for repetitive and expensive queries.</a:t>
             </a:r>
           </a:p>
           <a:p>
             <a:r>
+              <a:rPr dirty="0"/>
               <a:t>Syntax: CREATE MATERIALIZED VIEW … AS SELECT …</a:t>
             </a:r>
+            <a:br>
+              <a:rPr lang="en-US" dirty="0"/>
+            </a:br>
+            <a:br>
+              <a:rPr lang="en-US" dirty="0"/>
+            </a:br>
+            <a:endParaRPr lang="en-US" dirty="0"/>
+          </a:p>
+          <a:p>
+            <a:r>
+              <a:rPr lang="en-US" dirty="0"/>
+              <a:t>NOTE:</a:t>
+            </a:r>
+            <a:br>
+              <a:rPr lang="en-US" dirty="0"/>
+            </a:br>
+            <a:r>
+              <a:rPr lang="en-US" dirty="0"/>
+              <a:t>View = A live CCTV camera (always shows what’s happening now).</a:t>
+            </a:r>
+          </a:p>
+          <a:p>
+            <a:r>
+              <a:rPr lang="en-US" dirty="0"/>
+              <a:t>Materialized View = A recorded video snapshot (fast to replay, but may be outdated unless refreshed).</a:t>
+            </a:r>
+            <a:endParaRPr dirty="0"/>
           </a:p>
         </p:txBody>
       </p:sp>
@@ -16521,7 +17347,803 @@
 </p:sld>
 </file>
 
-<file path=ppt/slides/slide4.xml><?xml version="1.0" encoding="utf-8"?>
+<file path=ppt/slides/slide5.xml><?xml version="1.0" encoding="utf-8"?>
+<p:sld xmlns:a="http://schemas.openxmlformats.org/drawingml/2006/main" xmlns:r="http://schemas.openxmlformats.org/officeDocument/2006/relationships" xmlns:p="http://schemas.openxmlformats.org/presentationml/2006/main">
+  <p:cSld>
+    <p:spTree>
+      <p:nvGrpSpPr>
+        <p:cNvPr id="1" name=""/>
+        <p:cNvGrpSpPr/>
+        <p:nvPr/>
+      </p:nvGrpSpPr>
+      <p:grpSpPr>
+        <a:xfrm>
+          <a:off x="0" y="0"/>
+          <a:ext cx="0" cy="0"/>
+          <a:chOff x="0" y="0"/>
+          <a:chExt cx="0" cy="0"/>
+        </a:xfrm>
+      </p:grpSpPr>
+      <p:sp>
+        <p:nvSpPr>
+          <p:cNvPr id="2" name="Title 1">
+            <a:extLst>
+              <a:ext uri="{FF2B5EF4-FFF2-40B4-BE49-F238E27FC236}">
+                <a16:creationId xmlns:a16="http://schemas.microsoft.com/office/drawing/2014/main" id="{EAE8303D-11FD-80A4-4D5C-74C7CAAADD06}"/>
+              </a:ext>
+            </a:extLst>
+          </p:cNvPr>
+          <p:cNvSpPr>
+            <a:spLocks noGrp="1"/>
+          </p:cNvSpPr>
+          <p:nvPr>
+            <p:ph type="title"/>
+          </p:nvPr>
+        </p:nvSpPr>
+        <p:spPr/>
+        <p:txBody>
+          <a:bodyPr/>
+          <a:lstStyle/>
+          <a:p>
+            <a:r>
+              <a:rPr lang="en-US" dirty="0"/>
+              <a:t>View VS Material</a:t>
+            </a:r>
+            <a:endParaRPr lang="en-IN" dirty="0"/>
+          </a:p>
+        </p:txBody>
+      </p:sp>
+      <p:graphicFrame>
+        <p:nvGraphicFramePr>
+          <p:cNvPr id="4" name="Content Placeholder 3">
+            <a:extLst>
+              <a:ext uri="{FF2B5EF4-FFF2-40B4-BE49-F238E27FC236}">
+                <a16:creationId xmlns:a16="http://schemas.microsoft.com/office/drawing/2014/main" id="{3387AAC4-F612-5F40-BC60-3648418EC5B8}"/>
+              </a:ext>
+            </a:extLst>
+          </p:cNvPr>
+          <p:cNvGraphicFramePr>
+            <a:graphicFrameLocks noGrp="1"/>
+          </p:cNvGraphicFramePr>
+          <p:nvPr>
+            <p:ph idx="1"/>
+            <p:extLst>
+              <p:ext uri="{D42A27DB-BD31-4B8C-83A1-F6EECF244321}">
+                <p14:modId xmlns:p14="http://schemas.microsoft.com/office/powerpoint/2010/main" val="2345565242"/>
+              </p:ext>
+            </p:extLst>
+          </p:nvPr>
+        </p:nvGraphicFramePr>
+        <p:xfrm>
+          <a:off x="768350" y="2425148"/>
+          <a:ext cx="7289799" cy="2861479"/>
+        </p:xfrm>
+        <a:graphic>
+          <a:graphicData uri="http://schemas.openxmlformats.org/drawingml/2006/table">
+            <a:tbl>
+              <a:tblPr firstRow="1" firstCol="1" bandRow="1">
+                <a:tableStyleId>{5C22544A-7EE6-4342-B048-85BDC9FD1C3A}</a:tableStyleId>
+              </a:tblPr>
+              <a:tblGrid>
+                <a:gridCol w="2429933">
+                  <a:extLst>
+                    <a:ext uri="{9D8B030D-6E8A-4147-A177-3AD203B41FA5}">
+                      <a16:colId xmlns:a16="http://schemas.microsoft.com/office/drawing/2014/main" val="240297569"/>
+                    </a:ext>
+                  </a:extLst>
+                </a:gridCol>
+                <a:gridCol w="2429933">
+                  <a:extLst>
+                    <a:ext uri="{9D8B030D-6E8A-4147-A177-3AD203B41FA5}">
+                      <a16:colId xmlns:a16="http://schemas.microsoft.com/office/drawing/2014/main" val="3600792901"/>
+                    </a:ext>
+                  </a:extLst>
+                </a:gridCol>
+                <a:gridCol w="2429933">
+                  <a:extLst>
+                    <a:ext uri="{9D8B030D-6E8A-4147-A177-3AD203B41FA5}">
+                      <a16:colId xmlns:a16="http://schemas.microsoft.com/office/drawing/2014/main" val="1187419814"/>
+                    </a:ext>
+                  </a:extLst>
+                </a:gridCol>
+              </a:tblGrid>
+              <a:tr h="289396">
+                <a:tc>
+                  <a:txBody>
+                    <a:bodyPr/>
+                    <a:lstStyle/>
+                    <a:p>
+                      <a:pPr>
+                        <a:lnSpc>
+                          <a:spcPct val="115000"/>
+                        </a:lnSpc>
+                        <a:spcAft>
+                          <a:spcPts val="1000"/>
+                        </a:spcAft>
+                        <a:buNone/>
+                      </a:pPr>
+                      <a:r>
+                        <a:rPr lang="en-IN" sz="1100">
+                          <a:effectLst/>
+                        </a:rPr>
+                        <a:t>Feature</a:t>
+                      </a:r>
+                      <a:endParaRPr lang="en-IN" sz="1100">
+                        <a:effectLst/>
+                        <a:latin typeface="Calibri" panose="020F0502020204030204" pitchFamily="34" charset="0"/>
+                        <a:ea typeface="Calibri" panose="020F0502020204030204" pitchFamily="34" charset="0"/>
+                        <a:cs typeface="Times New Roman" panose="02020603050405020304" pitchFamily="18" charset="0"/>
+                      </a:endParaRPr>
+                    </a:p>
+                  </a:txBody>
+                  <a:tcPr marL="9525" marR="9525" marT="9525" marB="9525" anchor="ctr"/>
+                </a:tc>
+                <a:tc>
+                  <a:txBody>
+                    <a:bodyPr/>
+                    <a:lstStyle/>
+                    <a:p>
+                      <a:pPr>
+                        <a:lnSpc>
+                          <a:spcPct val="115000"/>
+                        </a:lnSpc>
+                        <a:spcAft>
+                          <a:spcPts val="1000"/>
+                        </a:spcAft>
+                        <a:buNone/>
+                      </a:pPr>
+                      <a:r>
+                        <a:rPr lang="en-IN" sz="1100">
+                          <a:effectLst/>
+                        </a:rPr>
+                        <a:t>View</a:t>
+                      </a:r>
+                      <a:endParaRPr lang="en-IN" sz="1100">
+                        <a:effectLst/>
+                        <a:latin typeface="Calibri" panose="020F0502020204030204" pitchFamily="34" charset="0"/>
+                        <a:ea typeface="Calibri" panose="020F0502020204030204" pitchFamily="34" charset="0"/>
+                        <a:cs typeface="Times New Roman" panose="02020603050405020304" pitchFamily="18" charset="0"/>
+                      </a:endParaRPr>
+                    </a:p>
+                  </a:txBody>
+                  <a:tcPr marL="9525" marR="9525" marT="9525" marB="9525" anchor="ctr"/>
+                </a:tc>
+                <a:tc>
+                  <a:txBody>
+                    <a:bodyPr/>
+                    <a:lstStyle/>
+                    <a:p>
+                      <a:pPr>
+                        <a:lnSpc>
+                          <a:spcPct val="115000"/>
+                        </a:lnSpc>
+                        <a:spcAft>
+                          <a:spcPts val="1000"/>
+                        </a:spcAft>
+                        <a:buNone/>
+                      </a:pPr>
+                      <a:r>
+                        <a:rPr lang="en-IN" sz="1100">
+                          <a:effectLst/>
+                        </a:rPr>
+                        <a:t>Materialized View</a:t>
+                      </a:r>
+                      <a:endParaRPr lang="en-IN" sz="1100">
+                        <a:effectLst/>
+                        <a:latin typeface="Calibri" panose="020F0502020204030204" pitchFamily="34" charset="0"/>
+                        <a:ea typeface="Calibri" panose="020F0502020204030204" pitchFamily="34" charset="0"/>
+                        <a:cs typeface="Times New Roman" panose="02020603050405020304" pitchFamily="18" charset="0"/>
+                      </a:endParaRPr>
+                    </a:p>
+                  </a:txBody>
+                  <a:tcPr marL="9525" marR="9525" marT="9525" marB="9525" anchor="ctr"/>
+                </a:tc>
+                <a:extLst>
+                  <a:ext uri="{0D108BD9-81ED-4DB2-BD59-A6C34878D82A}">
+                    <a16:rowId xmlns:a16="http://schemas.microsoft.com/office/drawing/2014/main" val="1609040469"/>
+                  </a:ext>
+                </a:extLst>
+              </a:tr>
+              <a:tr h="289396">
+                <a:tc>
+                  <a:txBody>
+                    <a:bodyPr/>
+                    <a:lstStyle/>
+                    <a:p>
+                      <a:pPr>
+                        <a:lnSpc>
+                          <a:spcPct val="115000"/>
+                        </a:lnSpc>
+                        <a:spcAft>
+                          <a:spcPts val="1000"/>
+                        </a:spcAft>
+                        <a:buNone/>
+                      </a:pPr>
+                      <a:r>
+                        <a:rPr lang="en-IN" sz="1100">
+                          <a:effectLst/>
+                        </a:rPr>
+                        <a:t>Data Storage</a:t>
+                      </a:r>
+                      <a:endParaRPr lang="en-IN" sz="1100">
+                        <a:effectLst/>
+                        <a:latin typeface="Calibri" panose="020F0502020204030204" pitchFamily="34" charset="0"/>
+                        <a:ea typeface="Calibri" panose="020F0502020204030204" pitchFamily="34" charset="0"/>
+                        <a:cs typeface="Times New Roman" panose="02020603050405020304" pitchFamily="18" charset="0"/>
+                      </a:endParaRPr>
+                    </a:p>
+                  </a:txBody>
+                  <a:tcPr marL="9525" marR="9525" marT="9525" marB="9525" anchor="ctr"/>
+                </a:tc>
+                <a:tc>
+                  <a:txBody>
+                    <a:bodyPr/>
+                    <a:lstStyle/>
+                    <a:p>
+                      <a:pPr>
+                        <a:lnSpc>
+                          <a:spcPct val="115000"/>
+                        </a:lnSpc>
+                        <a:spcAft>
+                          <a:spcPts val="1000"/>
+                        </a:spcAft>
+                        <a:buNone/>
+                      </a:pPr>
+                      <a:r>
+                        <a:rPr lang="en-IN" sz="1100">
+                          <a:effectLst/>
+                        </a:rPr>
+                        <a:t>Only query definition (no data stored)</a:t>
+                      </a:r>
+                      <a:endParaRPr lang="en-IN" sz="1100">
+                        <a:effectLst/>
+                        <a:latin typeface="Calibri" panose="020F0502020204030204" pitchFamily="34" charset="0"/>
+                        <a:ea typeface="Calibri" panose="020F0502020204030204" pitchFamily="34" charset="0"/>
+                        <a:cs typeface="Times New Roman" panose="02020603050405020304" pitchFamily="18" charset="0"/>
+                      </a:endParaRPr>
+                    </a:p>
+                  </a:txBody>
+                  <a:tcPr marL="9525" marR="9525" marT="9525" marB="9525" anchor="ctr"/>
+                </a:tc>
+                <a:tc>
+                  <a:txBody>
+                    <a:bodyPr/>
+                    <a:lstStyle/>
+                    <a:p>
+                      <a:pPr>
+                        <a:lnSpc>
+                          <a:spcPct val="115000"/>
+                        </a:lnSpc>
+                        <a:spcAft>
+                          <a:spcPts val="1000"/>
+                        </a:spcAft>
+                        <a:buNone/>
+                      </a:pPr>
+                      <a:r>
+                        <a:rPr lang="en-IN" sz="1100">
+                          <a:effectLst/>
+                        </a:rPr>
+                        <a:t>Stores actual query results</a:t>
+                      </a:r>
+                      <a:endParaRPr lang="en-IN" sz="1100">
+                        <a:effectLst/>
+                        <a:latin typeface="Calibri" panose="020F0502020204030204" pitchFamily="34" charset="0"/>
+                        <a:ea typeface="Calibri" panose="020F0502020204030204" pitchFamily="34" charset="0"/>
+                        <a:cs typeface="Times New Roman" panose="02020603050405020304" pitchFamily="18" charset="0"/>
+                      </a:endParaRPr>
+                    </a:p>
+                  </a:txBody>
+                  <a:tcPr marL="9525" marR="9525" marT="9525" marB="9525" anchor="ctr"/>
+                </a:tc>
+                <a:extLst>
+                  <a:ext uri="{0D108BD9-81ED-4DB2-BD59-A6C34878D82A}">
+                    <a16:rowId xmlns:a16="http://schemas.microsoft.com/office/drawing/2014/main" val="3759790271"/>
+                  </a:ext>
+                </a:extLst>
+              </a:tr>
+              <a:tr h="567965">
+                <a:tc>
+                  <a:txBody>
+                    <a:bodyPr/>
+                    <a:lstStyle/>
+                    <a:p>
+                      <a:pPr>
+                        <a:lnSpc>
+                          <a:spcPct val="115000"/>
+                        </a:lnSpc>
+                        <a:spcAft>
+                          <a:spcPts val="1000"/>
+                        </a:spcAft>
+                        <a:buNone/>
+                      </a:pPr>
+                      <a:r>
+                        <a:rPr lang="en-IN" sz="1100">
+                          <a:effectLst/>
+                        </a:rPr>
+                        <a:t>Performance</a:t>
+                      </a:r>
+                      <a:endParaRPr lang="en-IN" sz="1100">
+                        <a:effectLst/>
+                        <a:latin typeface="Calibri" panose="020F0502020204030204" pitchFamily="34" charset="0"/>
+                        <a:ea typeface="Calibri" panose="020F0502020204030204" pitchFamily="34" charset="0"/>
+                        <a:cs typeface="Times New Roman" panose="02020603050405020304" pitchFamily="18" charset="0"/>
+                      </a:endParaRPr>
+                    </a:p>
+                  </a:txBody>
+                  <a:tcPr marL="9525" marR="9525" marT="9525" marB="9525" anchor="ctr"/>
+                </a:tc>
+                <a:tc>
+                  <a:txBody>
+                    <a:bodyPr/>
+                    <a:lstStyle/>
+                    <a:p>
+                      <a:pPr>
+                        <a:lnSpc>
+                          <a:spcPct val="115000"/>
+                        </a:lnSpc>
+                        <a:spcAft>
+                          <a:spcPts val="1000"/>
+                        </a:spcAft>
+                        <a:buNone/>
+                      </a:pPr>
+                      <a:r>
+                        <a:rPr lang="en-IN" sz="1100">
+                          <a:effectLst/>
+                        </a:rPr>
+                        <a:t>Always recalculated (slower for large queries)</a:t>
+                      </a:r>
+                      <a:endParaRPr lang="en-IN" sz="1100">
+                        <a:effectLst/>
+                        <a:latin typeface="Calibri" panose="020F0502020204030204" pitchFamily="34" charset="0"/>
+                        <a:ea typeface="Calibri" panose="020F0502020204030204" pitchFamily="34" charset="0"/>
+                        <a:cs typeface="Times New Roman" panose="02020603050405020304" pitchFamily="18" charset="0"/>
+                      </a:endParaRPr>
+                    </a:p>
+                  </a:txBody>
+                  <a:tcPr marL="9525" marR="9525" marT="9525" marB="9525" anchor="ctr"/>
+                </a:tc>
+                <a:tc>
+                  <a:txBody>
+                    <a:bodyPr/>
+                    <a:lstStyle/>
+                    <a:p>
+                      <a:pPr>
+                        <a:lnSpc>
+                          <a:spcPct val="115000"/>
+                        </a:lnSpc>
+                        <a:spcAft>
+                          <a:spcPts val="1000"/>
+                        </a:spcAft>
+                        <a:buNone/>
+                      </a:pPr>
+                      <a:r>
+                        <a:rPr lang="en-IN" sz="1100">
+                          <a:effectLst/>
+                        </a:rPr>
+                        <a:t>Faster (reads precomputed results)</a:t>
+                      </a:r>
+                      <a:endParaRPr lang="en-IN" sz="1100">
+                        <a:effectLst/>
+                        <a:latin typeface="Calibri" panose="020F0502020204030204" pitchFamily="34" charset="0"/>
+                        <a:ea typeface="Calibri" panose="020F0502020204030204" pitchFamily="34" charset="0"/>
+                        <a:cs typeface="Times New Roman" panose="02020603050405020304" pitchFamily="18" charset="0"/>
+                      </a:endParaRPr>
+                    </a:p>
+                  </a:txBody>
+                  <a:tcPr marL="9525" marR="9525" marT="9525" marB="9525" anchor="ctr"/>
+                </a:tc>
+                <a:extLst>
+                  <a:ext uri="{0D108BD9-81ED-4DB2-BD59-A6C34878D82A}">
+                    <a16:rowId xmlns:a16="http://schemas.microsoft.com/office/drawing/2014/main" val="2370879664"/>
+                  </a:ext>
+                </a:extLst>
+              </a:tr>
+              <a:tr h="289396">
+                <a:tc>
+                  <a:txBody>
+                    <a:bodyPr/>
+                    <a:lstStyle/>
+                    <a:p>
+                      <a:pPr>
+                        <a:lnSpc>
+                          <a:spcPct val="115000"/>
+                        </a:lnSpc>
+                        <a:spcAft>
+                          <a:spcPts val="1000"/>
+                        </a:spcAft>
+                        <a:buNone/>
+                      </a:pPr>
+                      <a:r>
+                        <a:rPr lang="en-IN" sz="1100">
+                          <a:effectLst/>
+                        </a:rPr>
+                        <a:t>Freshness</a:t>
+                      </a:r>
+                      <a:endParaRPr lang="en-IN" sz="1100">
+                        <a:effectLst/>
+                        <a:latin typeface="Calibri" panose="020F0502020204030204" pitchFamily="34" charset="0"/>
+                        <a:ea typeface="Calibri" panose="020F0502020204030204" pitchFamily="34" charset="0"/>
+                        <a:cs typeface="Times New Roman" panose="02020603050405020304" pitchFamily="18" charset="0"/>
+                      </a:endParaRPr>
+                    </a:p>
+                  </a:txBody>
+                  <a:tcPr marL="9525" marR="9525" marT="9525" marB="9525" anchor="ctr"/>
+                </a:tc>
+                <a:tc>
+                  <a:txBody>
+                    <a:bodyPr/>
+                    <a:lstStyle/>
+                    <a:p>
+                      <a:pPr>
+                        <a:lnSpc>
+                          <a:spcPct val="115000"/>
+                        </a:lnSpc>
+                        <a:spcAft>
+                          <a:spcPts val="1000"/>
+                        </a:spcAft>
+                        <a:buNone/>
+                      </a:pPr>
+                      <a:r>
+                        <a:rPr lang="en-IN" sz="1100">
+                          <a:effectLst/>
+                        </a:rPr>
+                        <a:t>Always current (reads base tables directly)</a:t>
+                      </a:r>
+                      <a:endParaRPr lang="en-IN" sz="1100">
+                        <a:effectLst/>
+                        <a:latin typeface="Calibri" panose="020F0502020204030204" pitchFamily="34" charset="0"/>
+                        <a:ea typeface="Calibri" panose="020F0502020204030204" pitchFamily="34" charset="0"/>
+                        <a:cs typeface="Times New Roman" panose="02020603050405020304" pitchFamily="18" charset="0"/>
+                      </a:endParaRPr>
+                    </a:p>
+                  </a:txBody>
+                  <a:tcPr marL="9525" marR="9525" marT="9525" marB="9525" anchor="ctr"/>
+                </a:tc>
+                <a:tc>
+                  <a:txBody>
+                    <a:bodyPr/>
+                    <a:lstStyle/>
+                    <a:p>
+                      <a:pPr>
+                        <a:lnSpc>
+                          <a:spcPct val="115000"/>
+                        </a:lnSpc>
+                        <a:spcAft>
+                          <a:spcPts val="1000"/>
+                        </a:spcAft>
+                        <a:buNone/>
+                      </a:pPr>
+                      <a:r>
+                        <a:rPr lang="en-IN" sz="1100">
+                          <a:effectLst/>
+                        </a:rPr>
+                        <a:t>May be stale until refreshed</a:t>
+                      </a:r>
+                      <a:endParaRPr lang="en-IN" sz="1100">
+                        <a:effectLst/>
+                        <a:latin typeface="Calibri" panose="020F0502020204030204" pitchFamily="34" charset="0"/>
+                        <a:ea typeface="Calibri" panose="020F0502020204030204" pitchFamily="34" charset="0"/>
+                        <a:cs typeface="Times New Roman" panose="02020603050405020304" pitchFamily="18" charset="0"/>
+                      </a:endParaRPr>
+                    </a:p>
+                  </a:txBody>
+                  <a:tcPr marL="9525" marR="9525" marT="9525" marB="9525" anchor="ctr"/>
+                </a:tc>
+                <a:extLst>
+                  <a:ext uri="{0D108BD9-81ED-4DB2-BD59-A6C34878D82A}">
+                    <a16:rowId xmlns:a16="http://schemas.microsoft.com/office/drawing/2014/main" val="3032509239"/>
+                  </a:ext>
+                </a:extLst>
+              </a:tr>
+              <a:tr h="567965">
+                <a:tc>
+                  <a:txBody>
+                    <a:bodyPr/>
+                    <a:lstStyle/>
+                    <a:p>
+                      <a:pPr>
+                        <a:lnSpc>
+                          <a:spcPct val="115000"/>
+                        </a:lnSpc>
+                        <a:spcAft>
+                          <a:spcPts val="1000"/>
+                        </a:spcAft>
+                        <a:buNone/>
+                      </a:pPr>
+                      <a:r>
+                        <a:rPr lang="en-IN" sz="1100" dirty="0">
+                          <a:effectLst/>
+                        </a:rPr>
+                        <a:t>Use Case</a:t>
+                      </a:r>
+                      <a:endParaRPr lang="en-IN" sz="1100" dirty="0">
+                        <a:effectLst/>
+                        <a:latin typeface="Calibri" panose="020F0502020204030204" pitchFamily="34" charset="0"/>
+                        <a:ea typeface="Calibri" panose="020F0502020204030204" pitchFamily="34" charset="0"/>
+                        <a:cs typeface="Times New Roman" panose="02020603050405020304" pitchFamily="18" charset="0"/>
+                      </a:endParaRPr>
+                    </a:p>
+                  </a:txBody>
+                  <a:tcPr marL="9525" marR="9525" marT="9525" marB="9525" anchor="ctr"/>
+                </a:tc>
+                <a:tc>
+                  <a:txBody>
+                    <a:bodyPr/>
+                    <a:lstStyle/>
+                    <a:p>
+                      <a:pPr>
+                        <a:lnSpc>
+                          <a:spcPct val="115000"/>
+                        </a:lnSpc>
+                        <a:spcAft>
+                          <a:spcPts val="1000"/>
+                        </a:spcAft>
+                        <a:buNone/>
+                      </a:pPr>
+                      <a:r>
+                        <a:rPr lang="en-IN" sz="1100">
+                          <a:effectLst/>
+                        </a:rPr>
+                        <a:t>For simple queries, always up-to-date results</a:t>
+                      </a:r>
+                      <a:endParaRPr lang="en-IN" sz="1100">
+                        <a:effectLst/>
+                        <a:latin typeface="Calibri" panose="020F0502020204030204" pitchFamily="34" charset="0"/>
+                        <a:ea typeface="Calibri" panose="020F0502020204030204" pitchFamily="34" charset="0"/>
+                        <a:cs typeface="Times New Roman" panose="02020603050405020304" pitchFamily="18" charset="0"/>
+                      </a:endParaRPr>
+                    </a:p>
+                  </a:txBody>
+                  <a:tcPr marL="9525" marR="9525" marT="9525" marB="9525" anchor="ctr"/>
+                </a:tc>
+                <a:tc>
+                  <a:txBody>
+                    <a:bodyPr/>
+                    <a:lstStyle/>
+                    <a:p>
+                      <a:pPr>
+                        <a:lnSpc>
+                          <a:spcPct val="115000"/>
+                        </a:lnSpc>
+                        <a:spcAft>
+                          <a:spcPts val="1000"/>
+                        </a:spcAft>
+                        <a:buNone/>
+                      </a:pPr>
+                      <a:r>
+                        <a:rPr lang="en-IN" sz="1100">
+                          <a:effectLst/>
+                        </a:rPr>
+                        <a:t>For complex/expensive queries, performance optimization</a:t>
+                      </a:r>
+                      <a:endParaRPr lang="en-IN" sz="1100">
+                        <a:effectLst/>
+                        <a:latin typeface="Calibri" panose="020F0502020204030204" pitchFamily="34" charset="0"/>
+                        <a:ea typeface="Calibri" panose="020F0502020204030204" pitchFamily="34" charset="0"/>
+                        <a:cs typeface="Times New Roman" panose="02020603050405020304" pitchFamily="18" charset="0"/>
+                      </a:endParaRPr>
+                    </a:p>
+                  </a:txBody>
+                  <a:tcPr marL="9525" marR="9525" marT="9525" marB="9525" anchor="ctr"/>
+                </a:tc>
+                <a:extLst>
+                  <a:ext uri="{0D108BD9-81ED-4DB2-BD59-A6C34878D82A}">
+                    <a16:rowId xmlns:a16="http://schemas.microsoft.com/office/drawing/2014/main" val="2157512954"/>
+                  </a:ext>
+                </a:extLst>
+              </a:tr>
+              <a:tr h="567965">
+                <a:tc>
+                  <a:txBody>
+                    <a:bodyPr/>
+                    <a:lstStyle/>
+                    <a:p>
+                      <a:pPr>
+                        <a:lnSpc>
+                          <a:spcPct val="115000"/>
+                        </a:lnSpc>
+                        <a:spcAft>
+                          <a:spcPts val="1000"/>
+                        </a:spcAft>
+                        <a:buNone/>
+                      </a:pPr>
+                      <a:r>
+                        <a:rPr lang="en-IN" sz="1100">
+                          <a:effectLst/>
+                        </a:rPr>
+                        <a:t>Refresh Needed</a:t>
+                      </a:r>
+                      <a:endParaRPr lang="en-IN" sz="1100">
+                        <a:effectLst/>
+                        <a:latin typeface="Calibri" panose="020F0502020204030204" pitchFamily="34" charset="0"/>
+                        <a:ea typeface="Calibri" panose="020F0502020204030204" pitchFamily="34" charset="0"/>
+                        <a:cs typeface="Times New Roman" panose="02020603050405020304" pitchFamily="18" charset="0"/>
+                      </a:endParaRPr>
+                    </a:p>
+                  </a:txBody>
+                  <a:tcPr marL="9525" marR="9525" marT="9525" marB="9525" anchor="ctr"/>
+                </a:tc>
+                <a:tc>
+                  <a:txBody>
+                    <a:bodyPr/>
+                    <a:lstStyle/>
+                    <a:p>
+                      <a:pPr>
+                        <a:lnSpc>
+                          <a:spcPct val="115000"/>
+                        </a:lnSpc>
+                        <a:spcAft>
+                          <a:spcPts val="1000"/>
+                        </a:spcAft>
+                        <a:buNone/>
+                      </a:pPr>
+                      <a:r>
+                        <a:rPr lang="en-IN" sz="1100">
+                          <a:effectLst/>
+                        </a:rPr>
+                        <a:t>No</a:t>
+                      </a:r>
+                      <a:endParaRPr lang="en-IN" sz="1100">
+                        <a:effectLst/>
+                        <a:latin typeface="Calibri" panose="020F0502020204030204" pitchFamily="34" charset="0"/>
+                        <a:ea typeface="Calibri" panose="020F0502020204030204" pitchFamily="34" charset="0"/>
+                        <a:cs typeface="Times New Roman" panose="02020603050405020304" pitchFamily="18" charset="0"/>
+                      </a:endParaRPr>
+                    </a:p>
+                  </a:txBody>
+                  <a:tcPr marL="9525" marR="9525" marT="9525" marB="9525" anchor="ctr"/>
+                </a:tc>
+                <a:tc>
+                  <a:txBody>
+                    <a:bodyPr/>
+                    <a:lstStyle/>
+                    <a:p>
+                      <a:pPr>
+                        <a:lnSpc>
+                          <a:spcPct val="115000"/>
+                        </a:lnSpc>
+                        <a:spcAft>
+                          <a:spcPts val="1000"/>
+                        </a:spcAft>
+                        <a:buNone/>
+                      </a:pPr>
+                      <a:r>
+                        <a:rPr lang="en-IN" sz="1100">
+                          <a:effectLst/>
+                        </a:rPr>
+                        <a:t>Yes (manual or automatic, depending on system)</a:t>
+                      </a:r>
+                      <a:endParaRPr lang="en-IN" sz="1100">
+                        <a:effectLst/>
+                        <a:latin typeface="Calibri" panose="020F0502020204030204" pitchFamily="34" charset="0"/>
+                        <a:ea typeface="Calibri" panose="020F0502020204030204" pitchFamily="34" charset="0"/>
+                        <a:cs typeface="Times New Roman" panose="02020603050405020304" pitchFamily="18" charset="0"/>
+                      </a:endParaRPr>
+                    </a:p>
+                  </a:txBody>
+                  <a:tcPr marL="9525" marR="9525" marT="9525" marB="9525" anchor="ctr"/>
+                </a:tc>
+                <a:extLst>
+                  <a:ext uri="{0D108BD9-81ED-4DB2-BD59-A6C34878D82A}">
+                    <a16:rowId xmlns:a16="http://schemas.microsoft.com/office/drawing/2014/main" val="3318215690"/>
+                  </a:ext>
+                </a:extLst>
+              </a:tr>
+              <a:tr h="289396">
+                <a:tc>
+                  <a:txBody>
+                    <a:bodyPr/>
+                    <a:lstStyle/>
+                    <a:p>
+                      <a:pPr>
+                        <a:lnSpc>
+                          <a:spcPct val="115000"/>
+                        </a:lnSpc>
+                        <a:spcAft>
+                          <a:spcPts val="1000"/>
+                        </a:spcAft>
+                        <a:buNone/>
+                      </a:pPr>
+                      <a:r>
+                        <a:rPr lang="en-IN" sz="1100">
+                          <a:effectLst/>
+                        </a:rPr>
+                        <a:t>Cost (Snowflake)</a:t>
+                      </a:r>
+                      <a:endParaRPr lang="en-IN" sz="1100">
+                        <a:effectLst/>
+                        <a:latin typeface="Calibri" panose="020F0502020204030204" pitchFamily="34" charset="0"/>
+                        <a:ea typeface="Calibri" panose="020F0502020204030204" pitchFamily="34" charset="0"/>
+                        <a:cs typeface="Times New Roman" panose="02020603050405020304" pitchFamily="18" charset="0"/>
+                      </a:endParaRPr>
+                    </a:p>
+                  </a:txBody>
+                  <a:tcPr marL="9525" marR="9525" marT="9525" marB="9525" anchor="ctr"/>
+                </a:tc>
+                <a:tc>
+                  <a:txBody>
+                    <a:bodyPr/>
+                    <a:lstStyle/>
+                    <a:p>
+                      <a:pPr>
+                        <a:lnSpc>
+                          <a:spcPct val="115000"/>
+                        </a:lnSpc>
+                        <a:spcAft>
+                          <a:spcPts val="1000"/>
+                        </a:spcAft>
+                        <a:buNone/>
+                      </a:pPr>
+                      <a:r>
+                        <a:rPr lang="en-IN" sz="1100">
+                          <a:effectLst/>
+                        </a:rPr>
+                        <a:t>Only storage for query definition</a:t>
+                      </a:r>
+                      <a:endParaRPr lang="en-IN" sz="1100">
+                        <a:effectLst/>
+                        <a:latin typeface="Calibri" panose="020F0502020204030204" pitchFamily="34" charset="0"/>
+                        <a:ea typeface="Calibri" panose="020F0502020204030204" pitchFamily="34" charset="0"/>
+                        <a:cs typeface="Times New Roman" panose="02020603050405020304" pitchFamily="18" charset="0"/>
+                      </a:endParaRPr>
+                    </a:p>
+                  </a:txBody>
+                  <a:tcPr marL="9525" marR="9525" marT="9525" marB="9525" anchor="ctr"/>
+                </a:tc>
+                <a:tc>
+                  <a:txBody>
+                    <a:bodyPr/>
+                    <a:lstStyle/>
+                    <a:p>
+                      <a:pPr>
+                        <a:lnSpc>
+                          <a:spcPct val="115000"/>
+                        </a:lnSpc>
+                        <a:spcAft>
+                          <a:spcPts val="1000"/>
+                        </a:spcAft>
+                        <a:buNone/>
+                      </a:pPr>
+                      <a:r>
+                        <a:rPr lang="en-IN" sz="1100" dirty="0">
+                          <a:effectLst/>
+                        </a:rPr>
+                        <a:t>Storage + compute cost to maintain</a:t>
+                      </a:r>
+                      <a:endParaRPr lang="en-IN" sz="1100" dirty="0">
+                        <a:effectLst/>
+                        <a:latin typeface="Calibri" panose="020F0502020204030204" pitchFamily="34" charset="0"/>
+                        <a:ea typeface="Calibri" panose="020F0502020204030204" pitchFamily="34" charset="0"/>
+                        <a:cs typeface="Times New Roman" panose="02020603050405020304" pitchFamily="18" charset="0"/>
+                      </a:endParaRPr>
+                    </a:p>
+                  </a:txBody>
+                  <a:tcPr marL="9525" marR="9525" marT="9525" marB="9525" anchor="ctr"/>
+                </a:tc>
+                <a:extLst>
+                  <a:ext uri="{0D108BD9-81ED-4DB2-BD59-A6C34878D82A}">
+                    <a16:rowId xmlns:a16="http://schemas.microsoft.com/office/drawing/2014/main" val="3281336579"/>
+                  </a:ext>
+                </a:extLst>
+              </a:tr>
+            </a:tbl>
+          </a:graphicData>
+        </a:graphic>
+      </p:graphicFrame>
+    </p:spTree>
+    <p:extLst>
+      <p:ext uri="{BB962C8B-B14F-4D97-AF65-F5344CB8AC3E}">
+        <p14:creationId xmlns:p14="http://schemas.microsoft.com/office/powerpoint/2010/main" val="1046082777"/>
+      </p:ext>
+    </p:extLst>
+  </p:cSld>
+  <p:clrMapOvr>
+    <a:masterClrMapping/>
+  </p:clrMapOvr>
+</p:sld>
+</file>
+
+<file path=ppt/slides/slide6.xml><?xml version="1.0" encoding="utf-8"?>
 <p:sld xmlns:a="http://schemas.openxmlformats.org/drawingml/2006/main" xmlns:r="http://schemas.openxmlformats.org/officeDocument/2006/relationships" xmlns:p="http://schemas.openxmlformats.org/presentationml/2006/main">
   <p:cSld>
     <p:spTree>
@@ -16603,7 +18225,7 @@
 </p:sld>
 </file>
 
-<file path=ppt/slides/slide5.xml><?xml version="1.0" encoding="utf-8"?>
+<file path=ppt/slides/slide7.xml><?xml version="1.0" encoding="utf-8"?>
 <p:sld xmlns:a="http://schemas.openxmlformats.org/drawingml/2006/main" xmlns:r="http://schemas.openxmlformats.org/officeDocument/2006/relationships" xmlns:p="http://schemas.openxmlformats.org/presentationml/2006/main">
   <p:cSld>
     <p:spTree>
@@ -16685,7 +18307,7 @@
 </p:sld>
 </file>
 
-<file path=ppt/slides/slide6.xml><?xml version="1.0" encoding="utf-8"?>
+<file path=ppt/slides/slide8.xml><?xml version="1.0" encoding="utf-8"?>
 <p:sld xmlns:a="http://schemas.openxmlformats.org/drawingml/2006/main" xmlns:r="http://schemas.openxmlformats.org/officeDocument/2006/relationships" xmlns:p="http://schemas.openxmlformats.org/presentationml/2006/main">
   <p:cSld>
     <p:spTree>
@@ -16767,7 +18389,7 @@
 </p:sld>
 </file>
 
-<file path=ppt/slides/slide7.xml><?xml version="1.0" encoding="utf-8"?>
+<file path=ppt/slides/slide9.xml><?xml version="1.0" encoding="utf-8"?>
 <p:sld xmlns:a="http://schemas.openxmlformats.org/drawingml/2006/main" xmlns:r="http://schemas.openxmlformats.org/officeDocument/2006/relationships" xmlns:p="http://schemas.openxmlformats.org/presentationml/2006/main">
   <p:cSld>
     <p:spTree>
@@ -16837,88 +18459,6 @@
           <a:p>
             <a:r>
               <a:t>Syntax: CREATE TABLE clone_table CLONE source_table;</a:t>
-            </a:r>
-          </a:p>
-        </p:txBody>
-      </p:sp>
-    </p:spTree>
-  </p:cSld>
-  <p:clrMapOvr>
-    <a:masterClrMapping/>
-  </p:clrMapOvr>
-</p:sld>
-</file>
-
-<file path=ppt/slides/slide8.xml><?xml version="1.0" encoding="utf-8"?>
-<p:sld xmlns:a="http://schemas.openxmlformats.org/drawingml/2006/main" xmlns:r="http://schemas.openxmlformats.org/officeDocument/2006/relationships" xmlns:p="http://schemas.openxmlformats.org/presentationml/2006/main">
-  <p:cSld>
-    <p:spTree>
-      <p:nvGrpSpPr>
-        <p:cNvPr id="1" name=""/>
-        <p:cNvGrpSpPr/>
-        <p:nvPr/>
-      </p:nvGrpSpPr>
-      <p:grpSpPr>
-        <a:xfrm>
-          <a:off x="0" y="0"/>
-          <a:ext cx="0" cy="0"/>
-          <a:chOff x="0" y="0"/>
-          <a:chExt cx="0" cy="0"/>
-        </a:xfrm>
-      </p:grpSpPr>
-      <p:sp>
-        <p:nvSpPr>
-          <p:cNvPr id="2" name="Title 1"/>
-          <p:cNvSpPr>
-            <a:spLocks noGrp="1"/>
-          </p:cNvSpPr>
-          <p:nvPr>
-            <p:ph type="title"/>
-          </p:nvPr>
-        </p:nvSpPr>
-        <p:spPr/>
-        <p:txBody>
-          <a:bodyPr/>
-          <a:lstStyle/>
-          <a:p>
-            <a:r>
-              <a:t>Snowflake Pricing Model Optimization</a:t>
-            </a:r>
-          </a:p>
-        </p:txBody>
-      </p:sp>
-      <p:sp>
-        <p:nvSpPr>
-          <p:cNvPr id="3" name="Content Placeholder 2"/>
-          <p:cNvSpPr>
-            <a:spLocks noGrp="1"/>
-          </p:cNvSpPr>
-          <p:nvPr>
-            <p:ph idx="1"/>
-          </p:nvPr>
-        </p:nvSpPr>
-        <p:spPr/>
-        <p:txBody>
-          <a:bodyPr/>
-          <a:lstStyle/>
-          <a:p>
-            <a:r>
-              <a:t>Storage cost: Pay-per-TB per month.</a:t>
-            </a:r>
-          </a:p>
-          <a:p>
-            <a:r>
-              <a:t>Compute cost: Pay for warehouse credits (per second billing).</a:t>
-            </a:r>
-          </a:p>
-          <a:p>
-            <a:r>
-              <a:t>Optimization strategies: Auto-suspend warehouses, clustering, materialized views.</a:t>
-            </a:r>
-          </a:p>
-          <a:p>
-            <a:r>
-              <a:t>Use Resource Monitors to track and control spend.</a:t>
             </a:r>
           </a:p>
         </p:txBody>
